--- a/02-practical/exercises/03-solid-lsp.pptx
+++ b/02-practical/exercises/03-solid-lsp.pptx
@@ -105,6 +105,11 @@
       </a:defRPr>
     </a:lvl9pPr>
   </p:defaultTextStyle>
+  <p:extLst>
+    <p:ext uri="{EFAFB233-063F-42B5-8137-9DF3F51BA10A}">
+      <p15:sldGuideLst xmlns:p15="http://schemas.microsoft.com/office/powerpoint/2012/main"/>
+    </p:ext>
+  </p:extLst>
 </p:presentation>
 </file>
 
@@ -2570,7 +2575,7 @@
           <a:p>
             <a:fld id="{C3A57BCF-266C-4A24-A2AA-DDD9FDC9A9C3}" type="datetimeFigureOut">
               <a:rPr kumimoji="1" lang="ja-JP" altLang="en-US" smtClean="0"/>
-              <a:t>2024/7/2</a:t>
+              <a:t>2024/9/24</a:t>
             </a:fld>
             <a:endParaRPr kumimoji="1" lang="ja-JP" altLang="en-US"/>
           </a:p>
@@ -2676,7 +2681,7 @@
             </a:extLst>
           </p:cNvPr>
           <p:cNvSpPr txBox="1"/>
-          <p:nvPr userDrawn="1">
+          <p:nvPr>
             <p:extLst>
               <p:ext uri="{1162E1C5-73C7-4A58-AE30-91384D911F3F}">
                 <p184:classification xmlns:p184="http://schemas.microsoft.com/office/powerpoint/2018/4/main" val="ftr"/>
@@ -5538,4 +5543,10 @@
     </a:ext>
   </a:extLst>
 </a:theme>
+</file>
+
+<file path=docMetadata/LabelInfo.xml><?xml version="1.0" encoding="utf-8"?>
+<clbl:labelList xmlns:clbl="http://schemas.microsoft.com/office/2020/mipLabelMetadata">
+  <clbl:label id="{549229e1-d9eb-40cf-aa20-8039fe5d6144}" enabled="1" method="Standard" siteId="{3ce358ea-700e-4f0f-bb37-fd0b7c21366c}" contentBits="2" removed="0"/>
+</clbl:labelList>
 </file>